--- a/03-using.pptx
+++ b/03-using.pptx
@@ -268,7 +268,7 @@
               <a:rPr lang="en-US" smtClean="0">
                 <a:latin typeface="Segoe UI" pitchFamily="34" charset="0"/>
               </a:rPr>
-              <a:t>2/23/20 6:14 AM</a:t>
+              <a:t>8/31/2020 5:05 PM</a:t>
             </a:fld>
             <a:endParaRPr lang="en-US" dirty="0">
               <a:latin typeface="Segoe UI" pitchFamily="34" charset="0"/>
@@ -565,7 +565,7 @@
           <a:p>
             <a:fld id="{D18B56EA-E28F-4F92-9F16-7A6F2501B303}" type="datetime8">
               <a:rPr lang="en-US" smtClean="0"/>
-              <a:t>2/23/20 6:14 AM</a:t>
+              <a:t>8/31/2020 5:05 PM</a:t>
             </a:fld>
             <a:endParaRPr lang="en-US" dirty="0"/>
           </a:p>
@@ -948,7 +948,7 @@
           <a:p>
             <a:fld id="{D18B56EA-E28F-4F92-9F16-7A6F2501B303}" type="datetime8">
               <a:rPr lang="en-US" smtClean="0"/>
-              <a:t>2/23/20 6:14 AM</a:t>
+              <a:t>8/31/2020 5:05 PM</a:t>
             </a:fld>
             <a:endParaRPr lang="en-US" dirty="0"/>
           </a:p>
@@ -1129,7 +1129,7 @@
           <a:p>
             <a:fld id="{D18B56EA-E28F-4F92-9F16-7A6F2501B303}" type="datetime8">
               <a:rPr lang="en-US" smtClean="0"/>
-              <a:t>2/23/20 6:14 AM</a:t>
+              <a:t>8/31/2020 5:05 PM</a:t>
             </a:fld>
             <a:endParaRPr lang="en-US" dirty="0"/>
           </a:p>
@@ -1341,7 +1341,7 @@
           <a:p>
             <a:fld id="{D18B56EA-E28F-4F92-9F16-7A6F2501B303}" type="datetime8">
               <a:rPr lang="en-US" smtClean="0"/>
-              <a:t>2/23/20 6:36 AM</a:t>
+              <a:t>8/31/2020 5:05 PM</a:t>
             </a:fld>
             <a:endParaRPr lang="en-US" dirty="0"/>
           </a:p>
@@ -1488,7 +1488,7 @@
                 <a:ea typeface="+mn-ea"/>
                 <a:cs typeface="+mn-cs"/>
               </a:rPr>
-              <a:t>Client-side web parts are build using the SharePoint Framework that provide additional capabilities, including access to Microsoft Graph for incorporating personal and organizational information into page experiences.</a:t>
+              <a:t>Client-side web parts are built using the SharePoint Framework that provide additional capabilities, including access to Microsoft Graph for incorporating personal and organizational information into page experiences.</a:t>
             </a:r>
           </a:p>
           <a:p>
@@ -1861,7 +1861,7 @@
           <a:p>
             <a:fld id="{D18B56EA-E28F-4F92-9F16-7A6F2501B303}" type="datetime8">
               <a:rPr lang="en-US" smtClean="0"/>
-              <a:t>2/23/20 6:45 AM</a:t>
+              <a:t>8/31/2020 5:05 PM</a:t>
             </a:fld>
             <a:endParaRPr lang="en-US" dirty="0"/>
           </a:p>
@@ -2152,7 +2152,7 @@
           <a:p>
             <a:fld id="{D18B56EA-E28F-4F92-9F16-7A6F2501B303}" type="datetime8">
               <a:rPr lang="en-US" smtClean="0"/>
-              <a:t>2/23/20 7:11 AM</a:t>
+              <a:t>8/31/2020 5:05 PM</a:t>
             </a:fld>
             <a:endParaRPr lang="en-US" dirty="0"/>
           </a:p>
@@ -2333,7 +2333,7 @@
           <a:p>
             <a:fld id="{D18B56EA-E28F-4F92-9F16-7A6F2501B303}" type="datetime8">
               <a:rPr lang="en-US" smtClean="0"/>
-              <a:t>2/23/20 6:14 AM</a:t>
+              <a:t>8/31/2020 5:05 PM</a:t>
             </a:fld>
             <a:endParaRPr lang="en-US" dirty="0"/>
           </a:p>
@@ -2514,7 +2514,7 @@
           <a:p>
             <a:fld id="{D18B56EA-E28F-4F92-9F16-7A6F2501B303}" type="datetime8">
               <a:rPr lang="en-US" smtClean="0"/>
-              <a:t>2/23/20 6:14 AM</a:t>
+              <a:t>8/31/2020 5:05 PM</a:t>
             </a:fld>
             <a:endParaRPr lang="en-US" dirty="0"/>
           </a:p>
@@ -2695,7 +2695,7 @@
           <a:p>
             <a:fld id="{D18B56EA-E28F-4F92-9F16-7A6F2501B303}" type="datetime8">
               <a:rPr lang="en-US" smtClean="0"/>
-              <a:t>2/23/20 6:14 AM</a:t>
+              <a:t>8/31/2020 5:05 PM</a:t>
             </a:fld>
             <a:endParaRPr lang="en-US" dirty="0"/>
           </a:p>
@@ -2876,7 +2876,7 @@
           <a:p>
             <a:fld id="{D18B56EA-E28F-4F92-9F16-7A6F2501B303}" type="datetime8">
               <a:rPr lang="en-US" smtClean="0"/>
-              <a:t>2/23/20 6:14 AM</a:t>
+              <a:t>8/31/2020 5:05 PM</a:t>
             </a:fld>
             <a:endParaRPr lang="en-US" dirty="0"/>
           </a:p>

--- a/03-using.pptx
+++ b/03-using.pptx
@@ -268,7 +268,7 @@
               <a:rPr lang="en-US" smtClean="0">
                 <a:latin typeface="Segoe UI" pitchFamily="34" charset="0"/>
               </a:rPr>
-              <a:t>8/31/2020 5:05 PM</a:t>
+              <a:t>8/31/2020 5:36 PM</a:t>
             </a:fld>
             <a:endParaRPr lang="en-US" dirty="0">
               <a:latin typeface="Segoe UI" pitchFamily="34" charset="0"/>
@@ -565,7 +565,7 @@
           <a:p>
             <a:fld id="{D18B56EA-E28F-4F92-9F16-7A6F2501B303}" type="datetime8">
               <a:rPr lang="en-US" smtClean="0"/>
-              <a:t>8/31/2020 5:05 PM</a:t>
+              <a:t>8/31/2020 5:36 PM</a:t>
             </a:fld>
             <a:endParaRPr lang="en-US" dirty="0"/>
           </a:p>
@@ -948,7 +948,7 @@
           <a:p>
             <a:fld id="{D18B56EA-E28F-4F92-9F16-7A6F2501B303}" type="datetime8">
               <a:rPr lang="en-US" smtClean="0"/>
-              <a:t>8/31/2020 5:05 PM</a:t>
+              <a:t>8/31/2020 5:36 PM</a:t>
             </a:fld>
             <a:endParaRPr lang="en-US" dirty="0"/>
           </a:p>
@@ -1129,7 +1129,7 @@
           <a:p>
             <a:fld id="{D18B56EA-E28F-4F92-9F16-7A6F2501B303}" type="datetime8">
               <a:rPr lang="en-US" smtClean="0"/>
-              <a:t>8/31/2020 5:05 PM</a:t>
+              <a:t>8/31/2020 5:36 PM</a:t>
             </a:fld>
             <a:endParaRPr lang="en-US" dirty="0"/>
           </a:p>
@@ -1341,7 +1341,7 @@
           <a:p>
             <a:fld id="{D18B56EA-E28F-4F92-9F16-7A6F2501B303}" type="datetime8">
               <a:rPr lang="en-US" smtClean="0"/>
-              <a:t>8/31/2020 5:05 PM</a:t>
+              <a:t>8/31/2020 5:36 PM</a:t>
             </a:fld>
             <a:endParaRPr lang="en-US" dirty="0"/>
           </a:p>
@@ -1861,7 +1861,7 @@
           <a:p>
             <a:fld id="{D18B56EA-E28F-4F92-9F16-7A6F2501B303}" type="datetime8">
               <a:rPr lang="en-US" smtClean="0"/>
-              <a:t>8/31/2020 5:05 PM</a:t>
+              <a:t>8/31/2020 5:36 PM</a:t>
             </a:fld>
             <a:endParaRPr lang="en-US" dirty="0"/>
           </a:p>
@@ -2152,7 +2152,7 @@
           <a:p>
             <a:fld id="{D18B56EA-E28F-4F92-9F16-7A6F2501B303}" type="datetime8">
               <a:rPr lang="en-US" smtClean="0"/>
-              <a:t>8/31/2020 5:05 PM</a:t>
+              <a:t>8/31/2020 5:36 PM</a:t>
             </a:fld>
             <a:endParaRPr lang="en-US" dirty="0"/>
           </a:p>
@@ -2333,7 +2333,7 @@
           <a:p>
             <a:fld id="{D18B56EA-E28F-4F92-9F16-7A6F2501B303}" type="datetime8">
               <a:rPr lang="en-US" smtClean="0"/>
-              <a:t>8/31/2020 5:05 PM</a:t>
+              <a:t>8/31/2020 5:36 PM</a:t>
             </a:fld>
             <a:endParaRPr lang="en-US" dirty="0"/>
           </a:p>
@@ -2514,7 +2514,7 @@
           <a:p>
             <a:fld id="{D18B56EA-E28F-4F92-9F16-7A6F2501B303}" type="datetime8">
               <a:rPr lang="en-US" smtClean="0"/>
-              <a:t>8/31/2020 5:05 PM</a:t>
+              <a:t>8/31/2020 5:36 PM</a:t>
             </a:fld>
             <a:endParaRPr lang="en-US" dirty="0"/>
           </a:p>
@@ -2695,7 +2695,7 @@
           <a:p>
             <a:fld id="{D18B56EA-E28F-4F92-9F16-7A6F2501B303}" type="datetime8">
               <a:rPr lang="en-US" smtClean="0"/>
-              <a:t>8/31/2020 5:05 PM</a:t>
+              <a:t>8/31/2020 5:36 PM</a:t>
             </a:fld>
             <a:endParaRPr lang="en-US" dirty="0"/>
           </a:p>
@@ -2876,7 +2876,7 @@
           <a:p>
             <a:fld id="{D18B56EA-E28F-4F92-9F16-7A6F2501B303}" type="datetime8">
               <a:rPr lang="en-US" smtClean="0"/>
-              <a:t>8/31/2020 5:05 PM</a:t>
+              <a:t>8/31/2020 5:36 PM</a:t>
             </a:fld>
             <a:endParaRPr lang="en-US" dirty="0"/>
           </a:p>
@@ -19938,10 +19938,10 @@
       </p:sp>
       <p:pic>
         <p:nvPicPr>
-          <p:cNvPr id="6" name="Picture 5">
+          <p:cNvPr id="5" name="Picture 4" descr="A screenshot of a computer&#10;&#10;Description automatically generated">
             <a:extLst>
               <a:ext uri="{FF2B5EF4-FFF2-40B4-BE49-F238E27FC236}">
-                <a16:creationId xmlns:a16="http://schemas.microsoft.com/office/drawing/2014/main" id="{F7B8E421-D7DD-4788-9FFB-4BA635224E02}"/>
+                <a16:creationId xmlns:a16="http://schemas.microsoft.com/office/drawing/2014/main" id="{BDE6B101-A713-4849-96C7-59B3931DE75B}"/>
               </a:ext>
             </a:extLst>
           </p:cNvPr>
@@ -19958,28 +19958,20 @@
         </p:blipFill>
         <p:spPr>
           <a:xfrm>
-            <a:off x="6763245" y="1212850"/>
-            <a:ext cx="4572396" cy="2248095"/>
+            <a:off x="5772192" y="1212850"/>
+            <a:ext cx="6004234" cy="1890111"/>
           </a:xfrm>
           <a:prstGeom prst="rect">
             <a:avLst/>
           </a:prstGeom>
-          <a:ln>
-            <a:solidFill>
-              <a:schemeClr val="tx1">
-                <a:lumMod val="25000"/>
-                <a:lumOff val="75000"/>
-              </a:schemeClr>
-            </a:solidFill>
-          </a:ln>
         </p:spPr>
       </p:pic>
       <p:pic>
         <p:nvPicPr>
-          <p:cNvPr id="10" name="Picture 9">
+          <p:cNvPr id="8" name="Picture 7" descr="A screenshot of a cell phone&#10;&#10;Description automatically generated">
             <a:extLst>
               <a:ext uri="{FF2B5EF4-FFF2-40B4-BE49-F238E27FC236}">
-                <a16:creationId xmlns:a16="http://schemas.microsoft.com/office/drawing/2014/main" id="{93F0D892-D6D7-4247-B683-731816E35B69}"/>
+                <a16:creationId xmlns:a16="http://schemas.microsoft.com/office/drawing/2014/main" id="{28BC4BA3-716C-4DDF-BEEE-C33B25D2A400}"/>
               </a:ext>
             </a:extLst>
           </p:cNvPr>
@@ -19996,28 +19988,20 @@
         </p:blipFill>
         <p:spPr>
           <a:xfrm>
-            <a:off x="896739" y="4261762"/>
-            <a:ext cx="4572396" cy="2598645"/>
+            <a:off x="1030497" y="4262520"/>
+            <a:ext cx="4399633" cy="2346950"/>
           </a:xfrm>
           <a:prstGeom prst="rect">
             <a:avLst/>
           </a:prstGeom>
-          <a:ln>
-            <a:solidFill>
-              <a:schemeClr val="tx1">
-                <a:lumMod val="25000"/>
-                <a:lumOff val="75000"/>
-              </a:schemeClr>
-            </a:solidFill>
-          </a:ln>
         </p:spPr>
       </p:pic>
       <p:pic>
         <p:nvPicPr>
-          <p:cNvPr id="12" name="Picture 11">
+          <p:cNvPr id="11" name="Picture 10" descr="A screenshot of a social media post&#10;&#10;Description automatically generated">
             <a:extLst>
               <a:ext uri="{FF2B5EF4-FFF2-40B4-BE49-F238E27FC236}">
-                <a16:creationId xmlns:a16="http://schemas.microsoft.com/office/drawing/2014/main" id="{38BCBF8A-8AEA-40FC-8063-D0351FB6C242}"/>
+                <a16:creationId xmlns:a16="http://schemas.microsoft.com/office/drawing/2014/main" id="{59DA4C0F-51F9-4F4B-A422-8A21550BB215}"/>
               </a:ext>
             </a:extLst>
           </p:cNvPr>
@@ -20034,20 +20018,12 @@
         </p:blipFill>
         <p:spPr>
           <a:xfrm>
-            <a:off x="6212977" y="4262520"/>
-            <a:ext cx="5122664" cy="2253972"/>
+            <a:off x="5772192" y="4262520"/>
+            <a:ext cx="5959083" cy="1955400"/>
           </a:xfrm>
           <a:prstGeom prst="rect">
             <a:avLst/>
           </a:prstGeom>
-          <a:ln>
-            <a:solidFill>
-              <a:schemeClr val="tx1">
-                <a:lumMod val="25000"/>
-                <a:lumOff val="75000"/>
-              </a:schemeClr>
-            </a:solidFill>
-          </a:ln>
         </p:spPr>
       </p:pic>
     </p:spTree>
